--- a/How does Dwelling CPI and Fuel effect Inflation 2 - PowerPoint.pptx
+++ b/How does Dwelling CPI and Fuel effect Inflation 2 - PowerPoint.pptx
@@ -6531,7 +6531,7 @@
         </p:blipFill>
         <p:spPr>
           <a:xfrm>
-            <a:off x="769443" y="2451621"/>
+            <a:off x="805901" y="2526959"/>
             <a:ext cx="4344006" cy="1829055"/>
           </a:xfrm>
           <a:prstGeom prst="rect">
@@ -6539,6 +6539,58 @@
           </a:prstGeom>
         </p:spPr>
       </p:pic>
+      <p:sp>
+        <p:nvSpPr>
+          <p:cNvPr id="2" name="Rectangle 1">
+            <a:extLst>
+              <a:ext uri="{FF2B5EF4-FFF2-40B4-BE49-F238E27FC236}">
+                <a16:creationId xmlns:a16="http://schemas.microsoft.com/office/drawing/2014/main" id="{61B1A742-E5CC-5D2C-F045-54DE63BEE1C0}"/>
+              </a:ext>
+            </a:extLst>
+          </p:cNvPr>
+          <p:cNvSpPr/>
+          <p:nvPr/>
+        </p:nvSpPr>
+        <p:spPr>
+          <a:xfrm>
+            <a:off x="3075790" y="3291839"/>
+            <a:ext cx="2171689" cy="562529"/>
+          </a:xfrm>
+          <a:prstGeom prst="rect">
+            <a:avLst/>
+          </a:prstGeom>
+          <a:noFill/>
+          <a:ln>
+            <a:solidFill>
+              <a:srgbClr val="FF0000"/>
+            </a:solidFill>
+          </a:ln>
+        </p:spPr>
+        <p:style>
+          <a:lnRef idx="2">
+            <a:schemeClr val="accent1">
+              <a:shade val="15000"/>
+            </a:schemeClr>
+          </a:lnRef>
+          <a:fillRef idx="1">
+            <a:schemeClr val="accent1"/>
+          </a:fillRef>
+          <a:effectRef idx="0">
+            <a:schemeClr val="accent1"/>
+          </a:effectRef>
+          <a:fontRef idx="minor">
+            <a:schemeClr val="lt1"/>
+          </a:fontRef>
+        </p:style>
+        <p:txBody>
+          <a:bodyPr rtlCol="0" anchor="ctr"/>
+          <a:lstStyle/>
+          <a:p>
+            <a:pPr algn="ctr"/>
+            <a:endParaRPr lang="en-AU"/>
+          </a:p>
+        </p:txBody>
+      </p:sp>
     </p:spTree>
     <p:extLst>
       <p:ext uri="{BB962C8B-B14F-4D97-AF65-F5344CB8AC3E}">
@@ -9739,7 +9791,7 @@
           <p:nvPr>
             <p:extLst>
               <p:ext uri="{D42A27DB-BD31-4B8C-83A1-F6EECF244321}">
-                <p14:modId xmlns:p14="http://schemas.microsoft.com/office/powerpoint/2010/main" val="2742024651"/>
+                <p14:modId xmlns:p14="http://schemas.microsoft.com/office/powerpoint/2010/main" val="2488080170"/>
               </p:ext>
             </p:extLst>
           </p:nvPr>
@@ -10036,12 +10088,12 @@
                     <a:p>
                       <a:pPr algn="r" fontAlgn="b"/>
                       <a:r>
-                        <a:rPr lang="en-AU" sz="3000" u="none" strike="noStrike">
+                        <a:rPr lang="en-AU" sz="3000" u="none" strike="noStrike" dirty="0">
                           <a:effectLst/>
                         </a:rPr>
-                        <a:t>-2.50%</a:t>
+                        <a:t>2.50%</a:t>
                       </a:r>
-                      <a:endParaRPr lang="en-AU" sz="3000" b="0" i="0" u="none" strike="noStrike">
+                      <a:endParaRPr lang="en-AU" sz="3000" b="0" i="0" u="none" strike="noStrike" dirty="0">
                         <a:solidFill>
                           <a:srgbClr val="000000"/>
                         </a:solidFill>
@@ -10059,12 +10111,12 @@
                     <a:p>
                       <a:pPr algn="r" fontAlgn="b"/>
                       <a:r>
-                        <a:rPr lang="en-AU" sz="3000" u="none" strike="noStrike">
+                        <a:rPr lang="en-AU" sz="3000" u="none" strike="noStrike" dirty="0">
                           <a:effectLst/>
                         </a:rPr>
-                        <a:t>-4.70%</a:t>
+                        <a:t>4.70%</a:t>
                       </a:r>
-                      <a:endParaRPr lang="en-AU" sz="3000" b="0" i="0" u="none" strike="noStrike">
+                      <a:endParaRPr lang="en-AU" sz="3000" b="0" i="0" u="none" strike="noStrike" dirty="0">
                         <a:solidFill>
                           <a:srgbClr val="000000"/>
                         </a:solidFill>
